--- a/slides/278 - Glory be to Jesus.pptx
+++ b/slides/278 - Glory be to Jesus.pptx
@@ -240,7 +240,7 @@
               <a:pPr>
                 <a:defRPr/>
               </a:pPr>
-              <a:t>3/03/2014</a:t>
+              <a:t>25/08/2015</a:t>
             </a:fld>
             <a:endParaRPr lang="en-NZ"/>
           </a:p>
@@ -4456,8 +4456,16 @@
           </a:p>
           <a:p>
             <a:r>
+              <a:rPr lang="en-GB"/>
+              <a:t>	</a:t>
+            </a:r>
+            <a:r>
+              <a:rPr lang="en-GB" smtClean="0"/>
+              <a:t>angel </a:t>
+            </a:r>
+            <a:r>
               <a:rPr lang="en-GB" dirty="0"/>
-              <a:t>	angels hosts rejoicing</a:t>
+              <a:t>hosts rejoicing</a:t>
             </a:r>
             <a:endParaRPr lang="en-NZ" dirty="0"/>
           </a:p>
